--- a/Documentation/проект.pptx
+++ b/Documentation/проект.pptx
@@ -259,7 +259,7 @@
           <a:p>
             <a:fld id="{3AB3671F-AA64-4FFB-BBDA-457A3DCCAFB9}" type="datetimeFigureOut">
               <a:rPr lang="ru-RU" smtClean="0"/>
-              <a:t>01.03.2022</a:t>
+              <a:t>11.04.2022</a:t>
             </a:fld>
             <a:endParaRPr lang="ru-RU"/>
           </a:p>
@@ -1630,7 +1630,7 @@
             </a:pPr>
             <a:fld id="{E9A40412-952D-4355-AEE1-5084A13E6343}" type="datetime1">
               <a:rPr lang="ru-RU" smtClean="0"/>
-              <a:t>01.03.2022</a:t>
+              <a:t>11.04.2022</a:t>
             </a:fld>
             <a:endParaRPr lang="ru-RU"/>
           </a:p>
@@ -1822,7 +1822,7 @@
             </a:pPr>
             <a:fld id="{D1A57588-AA29-48C1-A0D3-23CDC8CEF95B}" type="datetime1">
               <a:rPr lang="ru-RU" smtClean="0"/>
-              <a:t>01.03.2022</a:t>
+              <a:t>11.04.2022</a:t>
             </a:fld>
             <a:endParaRPr lang="ru-RU"/>
           </a:p>
@@ -2024,7 +2024,7 @@
             </a:pPr>
             <a:fld id="{B5D72509-6833-4348-BB60-FAACCC152FFC}" type="datetime1">
               <a:rPr lang="ru-RU" smtClean="0"/>
-              <a:t>01.03.2022</a:t>
+              <a:t>11.04.2022</a:t>
             </a:fld>
             <a:endParaRPr lang="ru-RU"/>
           </a:p>
@@ -2216,7 +2216,7 @@
             </a:pPr>
             <a:fld id="{92480D4C-61BD-483D-86D6-B62CDAB9BEDA}" type="datetime1">
               <a:rPr lang="ru-RU" smtClean="0"/>
-              <a:t>01.03.2022</a:t>
+              <a:t>11.04.2022</a:t>
             </a:fld>
             <a:endParaRPr lang="ru-RU"/>
           </a:p>
@@ -2485,7 +2485,7 @@
             </a:pPr>
             <a:fld id="{A751F13C-6A68-445F-9F3B-D8B69AC9FD7E}" type="datetime1">
               <a:rPr lang="ru-RU" smtClean="0"/>
-              <a:t>01.03.2022</a:t>
+              <a:t>11.04.2022</a:t>
             </a:fld>
             <a:endParaRPr lang="ru-RU"/>
           </a:p>
@@ -2794,7 +2794,7 @@
             </a:pPr>
             <a:fld id="{A5532E65-0D75-47CF-9E50-79D7F59885FD}" type="datetime1">
               <a:rPr lang="ru-RU" smtClean="0"/>
-              <a:t>01.03.2022</a:t>
+              <a:t>11.04.2022</a:t>
             </a:fld>
             <a:endParaRPr lang="ru-RU"/>
           </a:p>
@@ -3237,7 +3237,7 @@
             </a:pPr>
             <a:fld id="{911777F0-F331-4210-A598-9C010F52D098}" type="datetime1">
               <a:rPr lang="ru-RU" smtClean="0"/>
-              <a:t>01.03.2022</a:t>
+              <a:t>11.04.2022</a:t>
             </a:fld>
             <a:endParaRPr lang="ru-RU"/>
           </a:p>
@@ -3378,7 +3378,7 @@
             </a:pPr>
             <a:fld id="{1AC8AF8F-D2D8-4C77-9AB7-FFD30F24FEFA}" type="datetime1">
               <a:rPr lang="ru-RU" smtClean="0"/>
-              <a:t>01.03.2022</a:t>
+              <a:t>11.04.2022</a:t>
             </a:fld>
             <a:endParaRPr lang="ru-RU"/>
           </a:p>
@@ -3497,7 +3497,7 @@
             </a:pPr>
             <a:fld id="{9B4BEA78-D3AB-43BC-BBE9-CA6B0150F642}" type="datetime1">
               <a:rPr lang="ru-RU" smtClean="0"/>
-              <a:t>01.03.2022</a:t>
+              <a:t>11.04.2022</a:t>
             </a:fld>
             <a:endParaRPr lang="ru-RU"/>
           </a:p>
@@ -3796,7 +3796,7 @@
             </a:pPr>
             <a:fld id="{8B6CA31B-DE7C-454D-A29A-F2F44B92C02C}" type="datetime1">
               <a:rPr lang="ru-RU" smtClean="0"/>
-              <a:t>01.03.2022</a:t>
+              <a:t>11.04.2022</a:t>
             </a:fld>
             <a:endParaRPr lang="ru-RU"/>
           </a:p>
@@ -4078,7 +4078,7 @@
             </a:pPr>
             <a:fld id="{AE3D309E-A734-454B-96EA-1FFF9C6D640B}" type="datetime1">
               <a:rPr lang="ru-RU" smtClean="0"/>
-              <a:t>01.03.2022</a:t>
+              <a:t>11.04.2022</a:t>
             </a:fld>
             <a:endParaRPr lang="ru-RU"/>
           </a:p>
@@ -4371,7 +4371,7 @@
             </a:pPr>
             <a:fld id="{F00A4505-FFFF-4242-BC45-A2F4E67EA977}" type="datetime1">
               <a:rPr lang="ru-RU" smtClean="0"/>
-              <a:t>01.03.2022</a:t>
+              <a:t>11.04.2022</a:t>
             </a:fld>
             <a:endParaRPr lang="ru-RU"/>
           </a:p>
@@ -6914,10 +6914,11 @@
             </a:endParaRPr>
           </a:p>
           <a:p>
-            <a:pPr>
+            <a:pPr marL="514350" indent="-514350">
               <a:lnSpc>
                 <a:spcPct val="150000"/>
               </a:lnSpc>
+              <a:buAutoNum type="arabicParenR"/>
             </a:pPr>
             <a:r>
               <a:rPr lang="ru-RU" sz="2800" dirty="0">
@@ -6927,14 +6928,16 @@
                 <a:latin typeface="+mn-lt"/>
                 <a:cs typeface="Times New Roman" panose="02020603050405020304" pitchFamily="18" charset="0"/>
               </a:rPr>
-              <a:t>1) Разработка идей и четкое понимание окончательного результата.</a:t>
-            </a:r>
-          </a:p>
-          <a:p>
-            <a:pPr>
+              <a:t>Разработка идей и четкое понимание окончательного результата.</a:t>
+            </a:r>
+          </a:p>
+          <a:p>
+            <a:pPr marL="514350" indent="-514350">
               <a:lnSpc>
                 <a:spcPct val="150000"/>
               </a:lnSpc>
+              <a:buFontTx/>
+              <a:buAutoNum type="arabicParenR"/>
             </a:pPr>
             <a:r>
               <a:rPr lang="ru-RU" sz="2800" dirty="0">
@@ -6944,44 +6947,7 @@
                 <a:latin typeface="+mn-lt"/>
                 <a:cs typeface="Times New Roman" panose="02020603050405020304" pitchFamily="18" charset="0"/>
               </a:rPr>
-              <a:t>2) Разработка необходимых внутренних функций и файлов. (</a:t>
-            </a:r>
-            <a:r>
-              <a:rPr lang="en-US" sz="2800" dirty="0">
-                <a:solidFill>
-                  <a:srgbClr val="001748"/>
-                </a:solidFill>
-                <a:latin typeface="+mn-lt"/>
-                <a:cs typeface="Times New Roman" panose="02020603050405020304" pitchFamily="18" charset="0"/>
-              </a:rPr>
-              <a:t>Backend</a:t>
-            </a:r>
-            <a:r>
-              <a:rPr lang="ru-RU" sz="2800" dirty="0">
-                <a:solidFill>
-                  <a:srgbClr val="001748"/>
-                </a:solidFill>
-                <a:latin typeface="+mn-lt"/>
-                <a:cs typeface="Times New Roman" panose="02020603050405020304" pitchFamily="18" charset="0"/>
-              </a:rPr>
-              <a:t>)</a:t>
-            </a:r>
-          </a:p>
-          <a:p>
-            <a:pPr>
-              <a:lnSpc>
-                <a:spcPct val="150000"/>
-              </a:lnSpc>
-            </a:pPr>
-            <a:r>
-              <a:rPr lang="ru-RU" sz="2800" dirty="0">
-                <a:solidFill>
-                  <a:srgbClr val="001748"/>
-                </a:solidFill>
-                <a:latin typeface="+mn-lt"/>
-                <a:cs typeface="Times New Roman" panose="02020603050405020304" pitchFamily="18" charset="0"/>
-              </a:rPr>
-              <a:t>3) Разработка интерфейса.</a:t>
+              <a:t>Разработка интерфейса.</a:t>
             </a:r>
             <a:r>
               <a:rPr lang="en-US" sz="2800" dirty="0">
@@ -7000,6 +6966,43 @@
               <a:latin typeface="+mn-lt"/>
               <a:cs typeface="Times New Roman" panose="02020603050405020304" pitchFamily="18" charset="0"/>
             </a:endParaRPr>
+          </a:p>
+          <a:p>
+            <a:pPr>
+              <a:lnSpc>
+                <a:spcPct val="150000"/>
+              </a:lnSpc>
+            </a:pPr>
+            <a:r>
+              <a:rPr lang="ru-RU" sz="2800" dirty="0">
+                <a:solidFill>
+                  <a:srgbClr val="001748"/>
+                </a:solidFill>
+                <a:latin typeface="+mn-lt"/>
+                <a:cs typeface="Times New Roman" panose="02020603050405020304" pitchFamily="18" charset="0"/>
+              </a:rPr>
+              <a:t>3) Разработка необходимых внутренних функций и файлов. (</a:t>
+            </a:r>
+            <a:r>
+              <a:rPr lang="en-US" sz="2800" dirty="0">
+                <a:solidFill>
+                  <a:srgbClr val="001748"/>
+                </a:solidFill>
+                <a:latin typeface="+mn-lt"/>
+                <a:cs typeface="Times New Roman" panose="02020603050405020304" pitchFamily="18" charset="0"/>
+              </a:rPr>
+              <a:t>Backend</a:t>
+            </a:r>
+            <a:r>
+              <a:rPr lang="ru-RU" sz="2800" dirty="0">
+                <a:solidFill>
+                  <a:srgbClr val="001748"/>
+                </a:solidFill>
+                <a:latin typeface="+mn-lt"/>
+                <a:cs typeface="Times New Roman" panose="02020603050405020304" pitchFamily="18" charset="0"/>
+              </a:rPr>
+              <a:t>)</a:t>
+            </a:r>
           </a:p>
           <a:p>
             <a:pPr>
@@ -7056,7 +7059,7 @@
                 <a:latin typeface="+mj-lt"/>
                 <a:cs typeface="Times New Roman" panose="02020603050405020304" pitchFamily="18" charset="0"/>
               </a:rPr>
-              <a:t>АКТУАЛЬНОСТЬ РАБОТЫ</a:t>
+              <a:t>РАЗРАБОТКА</a:t>
             </a:r>
           </a:p>
         </p:txBody>
@@ -7311,7 +7314,7 @@
         <p:spPr>
           <a:xfrm>
             <a:off x="839416" y="2636912"/>
-            <a:ext cx="10585176" cy="2031325"/>
+            <a:ext cx="10585176" cy="3257174"/>
           </a:xfrm>
           <a:prstGeom prst="rect">
             <a:avLst/>
@@ -7340,6 +7343,25 @@
                 <a:cs typeface="Times New Roman" panose="02020603050405020304" pitchFamily="18" charset="0"/>
               </a:rPr>
               <a:t>функции ручного и автоматического составления учебного расписания</a:t>
+            </a:r>
+          </a:p>
+          <a:p>
+            <a:pPr marL="457200" indent="-457200">
+              <a:lnSpc>
+                <a:spcPct val="150000"/>
+              </a:lnSpc>
+              <a:buFont typeface="Wingdings" panose="05000000000000000000" pitchFamily="2" charset="2"/>
+              <a:buChar char="q"/>
+            </a:pPr>
+            <a:r>
+              <a:rPr lang="ru-RU" sz="2800" dirty="0">
+                <a:solidFill>
+                  <a:srgbClr val="052452"/>
+                </a:solidFill>
+                <a:latin typeface="+mn-lt"/>
+                <a:cs typeface="Times New Roman" panose="02020603050405020304" pitchFamily="18" charset="0"/>
+              </a:rPr>
+              <a:t>добавить функцию рассылки выгрузки учителей и учебного расписания по почту каждого учителя</a:t>
             </a:r>
           </a:p>
           <a:p>

--- a/Documentation/проект.pptx
+++ b/Documentation/проект.pptx
@@ -259,7 +259,7 @@
           <a:p>
             <a:fld id="{3AB3671F-AA64-4FFB-BBDA-457A3DCCAFB9}" type="datetimeFigureOut">
               <a:rPr lang="ru-RU" smtClean="0"/>
-              <a:t>11.04.2022</a:t>
+              <a:t>13.04.2022</a:t>
             </a:fld>
             <a:endParaRPr lang="ru-RU"/>
           </a:p>
@@ -1630,7 +1630,7 @@
             </a:pPr>
             <a:fld id="{E9A40412-952D-4355-AEE1-5084A13E6343}" type="datetime1">
               <a:rPr lang="ru-RU" smtClean="0"/>
-              <a:t>11.04.2022</a:t>
+              <a:t>13.04.2022</a:t>
             </a:fld>
             <a:endParaRPr lang="ru-RU"/>
           </a:p>
@@ -1822,7 +1822,7 @@
             </a:pPr>
             <a:fld id="{D1A57588-AA29-48C1-A0D3-23CDC8CEF95B}" type="datetime1">
               <a:rPr lang="ru-RU" smtClean="0"/>
-              <a:t>11.04.2022</a:t>
+              <a:t>13.04.2022</a:t>
             </a:fld>
             <a:endParaRPr lang="ru-RU"/>
           </a:p>
@@ -2024,7 +2024,7 @@
             </a:pPr>
             <a:fld id="{B5D72509-6833-4348-BB60-FAACCC152FFC}" type="datetime1">
               <a:rPr lang="ru-RU" smtClean="0"/>
-              <a:t>11.04.2022</a:t>
+              <a:t>13.04.2022</a:t>
             </a:fld>
             <a:endParaRPr lang="ru-RU"/>
           </a:p>
@@ -2216,7 +2216,7 @@
             </a:pPr>
             <a:fld id="{92480D4C-61BD-483D-86D6-B62CDAB9BEDA}" type="datetime1">
               <a:rPr lang="ru-RU" smtClean="0"/>
-              <a:t>11.04.2022</a:t>
+              <a:t>13.04.2022</a:t>
             </a:fld>
             <a:endParaRPr lang="ru-RU"/>
           </a:p>
@@ -2485,7 +2485,7 @@
             </a:pPr>
             <a:fld id="{A751F13C-6A68-445F-9F3B-D8B69AC9FD7E}" type="datetime1">
               <a:rPr lang="ru-RU" smtClean="0"/>
-              <a:t>11.04.2022</a:t>
+              <a:t>13.04.2022</a:t>
             </a:fld>
             <a:endParaRPr lang="ru-RU"/>
           </a:p>
@@ -2794,7 +2794,7 @@
             </a:pPr>
             <a:fld id="{A5532E65-0D75-47CF-9E50-79D7F59885FD}" type="datetime1">
               <a:rPr lang="ru-RU" smtClean="0"/>
-              <a:t>11.04.2022</a:t>
+              <a:t>13.04.2022</a:t>
             </a:fld>
             <a:endParaRPr lang="ru-RU"/>
           </a:p>
@@ -3237,7 +3237,7 @@
             </a:pPr>
             <a:fld id="{911777F0-F331-4210-A598-9C010F52D098}" type="datetime1">
               <a:rPr lang="ru-RU" smtClean="0"/>
-              <a:t>11.04.2022</a:t>
+              <a:t>13.04.2022</a:t>
             </a:fld>
             <a:endParaRPr lang="ru-RU"/>
           </a:p>
@@ -3378,7 +3378,7 @@
             </a:pPr>
             <a:fld id="{1AC8AF8F-D2D8-4C77-9AB7-FFD30F24FEFA}" type="datetime1">
               <a:rPr lang="ru-RU" smtClean="0"/>
-              <a:t>11.04.2022</a:t>
+              <a:t>13.04.2022</a:t>
             </a:fld>
             <a:endParaRPr lang="ru-RU"/>
           </a:p>
@@ -3497,7 +3497,7 @@
             </a:pPr>
             <a:fld id="{9B4BEA78-D3AB-43BC-BBE9-CA6B0150F642}" type="datetime1">
               <a:rPr lang="ru-RU" smtClean="0"/>
-              <a:t>11.04.2022</a:t>
+              <a:t>13.04.2022</a:t>
             </a:fld>
             <a:endParaRPr lang="ru-RU"/>
           </a:p>
@@ -3796,7 +3796,7 @@
             </a:pPr>
             <a:fld id="{8B6CA31B-DE7C-454D-A29A-F2F44B92C02C}" type="datetime1">
               <a:rPr lang="ru-RU" smtClean="0"/>
-              <a:t>11.04.2022</a:t>
+              <a:t>13.04.2022</a:t>
             </a:fld>
             <a:endParaRPr lang="ru-RU"/>
           </a:p>
@@ -4078,7 +4078,7 @@
             </a:pPr>
             <a:fld id="{AE3D309E-A734-454B-96EA-1FFF9C6D640B}" type="datetime1">
               <a:rPr lang="ru-RU" smtClean="0"/>
-              <a:t>11.04.2022</a:t>
+              <a:t>13.04.2022</a:t>
             </a:fld>
             <a:endParaRPr lang="ru-RU"/>
           </a:p>
@@ -4371,7 +4371,7 @@
             </a:pPr>
             <a:fld id="{F00A4505-FFFF-4242-BC45-A2F4E67EA977}" type="datetime1">
               <a:rPr lang="ru-RU" smtClean="0"/>
-              <a:t>11.04.2022</a:t>
+              <a:t>13.04.2022</a:t>
             </a:fld>
             <a:endParaRPr lang="ru-RU"/>
           </a:p>
@@ -6067,6 +6067,66 @@
           </a:p>
         </p:txBody>
       </p:sp>
+      <p:pic>
+        <p:nvPicPr>
+          <p:cNvPr id="5" name="Рисунок 4">
+            <a:extLst>
+              <a:ext uri="{FF2B5EF4-FFF2-40B4-BE49-F238E27FC236}">
+                <a16:creationId xmlns:a16="http://schemas.microsoft.com/office/drawing/2014/main" id="{DF2F8177-2EAB-4BDE-80C5-922F8785426C}"/>
+              </a:ext>
+            </a:extLst>
+          </p:cNvPr>
+          <p:cNvPicPr>
+            <a:picLocks noChangeAspect="1"/>
+          </p:cNvPicPr>
+          <p:nvPr/>
+        </p:nvPicPr>
+        <p:blipFill>
+          <a:blip r:embed="rId4"/>
+          <a:stretch>
+            <a:fillRect/>
+          </a:stretch>
+        </p:blipFill>
+        <p:spPr>
+          <a:xfrm>
+            <a:off x="1127448" y="3244473"/>
+            <a:ext cx="4296781" cy="3323825"/>
+          </a:xfrm>
+          <a:prstGeom prst="rect">
+            <a:avLst/>
+          </a:prstGeom>
+        </p:spPr>
+      </p:pic>
+      <p:pic>
+        <p:nvPicPr>
+          <p:cNvPr id="7" name="Рисунок 6">
+            <a:extLst>
+              <a:ext uri="{FF2B5EF4-FFF2-40B4-BE49-F238E27FC236}">
+                <a16:creationId xmlns:a16="http://schemas.microsoft.com/office/drawing/2014/main" id="{501C00EE-F134-4BA6-A1CF-0B478BA6C3B7}"/>
+              </a:ext>
+            </a:extLst>
+          </p:cNvPr>
+          <p:cNvPicPr>
+            <a:picLocks noChangeAspect="1"/>
+          </p:cNvPicPr>
+          <p:nvPr/>
+        </p:nvPicPr>
+        <p:blipFill>
+          <a:blip r:embed="rId5"/>
+          <a:stretch>
+            <a:fillRect/>
+          </a:stretch>
+        </p:blipFill>
+        <p:spPr>
+          <a:xfrm>
+            <a:off x="6885538" y="3259953"/>
+            <a:ext cx="4249871" cy="3308345"/>
+          </a:xfrm>
+          <a:prstGeom prst="rect">
+            <a:avLst/>
+          </a:prstGeom>
+        </p:spPr>
+      </p:pic>
     </p:spTree>
     <p:extLst>
       <p:ext uri="{BB962C8B-B14F-4D97-AF65-F5344CB8AC3E}">
@@ -6420,7 +6480,7 @@
         <p:spPr>
           <a:xfrm>
             <a:off x="623392" y="1700808"/>
-            <a:ext cx="10729192" cy="3246530"/>
+            <a:ext cx="10729192" cy="3903504"/>
           </a:xfrm>
           <a:prstGeom prst="rect">
             <a:avLst/>
@@ -6476,7 +6536,27 @@
                 <a:latin typeface="+mn-lt"/>
                 <a:cs typeface="Times New Roman" panose="02020603050405020304" pitchFamily="18" charset="0"/>
               </a:rPr>
-              <a:t>word. </a:t>
+              <a:t>word</a:t>
+            </a:r>
+            <a:r>
+              <a:rPr lang="ru-RU" sz="2800" dirty="0">
+                <a:solidFill>
+                  <a:srgbClr val="112E5A"/>
+                </a:solidFill>
+                <a:latin typeface="+mn-lt"/>
+                <a:cs typeface="Times New Roman" panose="02020603050405020304" pitchFamily="18" charset="0"/>
+              </a:rPr>
+              <a:t>, а также ручное составление учебного расписания</a:t>
+            </a:r>
+            <a:r>
+              <a:rPr lang="en-US" sz="2800" dirty="0">
+                <a:solidFill>
+                  <a:srgbClr val="112E5A"/>
+                </a:solidFill>
+                <a:latin typeface="+mn-lt"/>
+                <a:cs typeface="Times New Roman" panose="02020603050405020304" pitchFamily="18" charset="0"/>
+              </a:rPr>
+              <a:t>. </a:t>
             </a:r>
             <a:r>
               <a:rPr lang="ru-RU" sz="2800" dirty="0">
@@ -6788,6 +6868,36 @@
           </a:p>
         </p:txBody>
       </p:sp>
+      <p:pic>
+        <p:nvPicPr>
+          <p:cNvPr id="5" name="Рисунок 4">
+            <a:extLst>
+              <a:ext uri="{FF2B5EF4-FFF2-40B4-BE49-F238E27FC236}">
+                <a16:creationId xmlns:a16="http://schemas.microsoft.com/office/drawing/2014/main" id="{C3B6EF24-8EA4-488F-8407-9FF6B6AF90CA}"/>
+              </a:ext>
+            </a:extLst>
+          </p:cNvPr>
+          <p:cNvPicPr>
+            <a:picLocks noChangeAspect="1"/>
+          </p:cNvPicPr>
+          <p:nvPr/>
+        </p:nvPicPr>
+        <p:blipFill>
+          <a:blip r:embed="rId4"/>
+          <a:stretch>
+            <a:fillRect/>
+          </a:stretch>
+        </p:blipFill>
+        <p:spPr>
+          <a:xfrm>
+            <a:off x="7032104" y="3088236"/>
+            <a:ext cx="4826448" cy="3220117"/>
+          </a:xfrm>
+          <a:prstGeom prst="rect">
+            <a:avLst/>
+          </a:prstGeom>
+        </p:spPr>
+      </p:pic>
     </p:spTree>
     <p:extLst>
       <p:ext uri="{BB962C8B-B14F-4D97-AF65-F5344CB8AC3E}">
@@ -6846,8 +6956,8 @@
         </p:nvSpPr>
         <p:spPr>
           <a:xfrm>
-            <a:off x="695400" y="1772816"/>
-            <a:ext cx="10873208" cy="3257174"/>
+            <a:off x="263352" y="1484784"/>
+            <a:ext cx="11809312" cy="3257174"/>
           </a:xfrm>
           <a:prstGeom prst="rect">
             <a:avLst/>
@@ -7122,7 +7232,7 @@
         </p:nvSpPr>
         <p:spPr>
           <a:xfrm>
-            <a:off x="767408" y="2204864"/>
+            <a:off x="551384" y="1628800"/>
             <a:ext cx="10441160" cy="1964512"/>
           </a:xfrm>
           <a:prstGeom prst="rect">
@@ -7255,6 +7365,66 @@
           </a:p>
         </p:txBody>
       </p:sp>
+      <p:pic>
+        <p:nvPicPr>
+          <p:cNvPr id="5" name="Рисунок 4">
+            <a:extLst>
+              <a:ext uri="{FF2B5EF4-FFF2-40B4-BE49-F238E27FC236}">
+                <a16:creationId xmlns:a16="http://schemas.microsoft.com/office/drawing/2014/main" id="{82DCAA40-CE6D-4E86-934F-137F0C44EA86}"/>
+              </a:ext>
+            </a:extLst>
+          </p:cNvPr>
+          <p:cNvPicPr>
+            <a:picLocks noChangeAspect="1"/>
+          </p:cNvPicPr>
+          <p:nvPr/>
+        </p:nvPicPr>
+        <p:blipFill>
+          <a:blip r:embed="rId6"/>
+          <a:stretch>
+            <a:fillRect/>
+          </a:stretch>
+        </p:blipFill>
+        <p:spPr>
+          <a:xfrm>
+            <a:off x="1468905" y="3584257"/>
+            <a:ext cx="3694258" cy="2852185"/>
+          </a:xfrm>
+          <a:prstGeom prst="rect">
+            <a:avLst/>
+          </a:prstGeom>
+        </p:spPr>
+      </p:pic>
+      <p:pic>
+        <p:nvPicPr>
+          <p:cNvPr id="7" name="Рисунок 6">
+            <a:extLst>
+              <a:ext uri="{FF2B5EF4-FFF2-40B4-BE49-F238E27FC236}">
+                <a16:creationId xmlns:a16="http://schemas.microsoft.com/office/drawing/2014/main" id="{EA3FE258-FCD3-476A-BD46-50AAF249CA6B}"/>
+              </a:ext>
+            </a:extLst>
+          </p:cNvPr>
+          <p:cNvPicPr>
+            <a:picLocks noChangeAspect="1"/>
+          </p:cNvPicPr>
+          <p:nvPr/>
+        </p:nvPicPr>
+        <p:blipFill>
+          <a:blip r:embed="rId7"/>
+          <a:stretch>
+            <a:fillRect/>
+          </a:stretch>
+        </p:blipFill>
+        <p:spPr>
+          <a:xfrm>
+            <a:off x="6625135" y="3579730"/>
+            <a:ext cx="3694258" cy="2870294"/>
+          </a:xfrm>
+          <a:prstGeom prst="rect">
+            <a:avLst/>
+          </a:prstGeom>
+        </p:spPr>
+      </p:pic>
     </p:spTree>
     <p:extLst>
       <p:ext uri="{BB962C8B-B14F-4D97-AF65-F5344CB8AC3E}">
@@ -7313,8 +7483,8 @@
         </p:nvSpPr>
         <p:spPr>
           <a:xfrm>
-            <a:off x="839416" y="2636912"/>
-            <a:ext cx="10585176" cy="3257174"/>
+            <a:off x="351075" y="3645024"/>
+            <a:ext cx="11665296" cy="2333844"/>
           </a:xfrm>
           <a:prstGeom prst="rect">
             <a:avLst/>
@@ -7335,14 +7505,14 @@
               <a:buChar char="q"/>
             </a:pPr>
             <a:r>
-              <a:rPr lang="ru-RU" sz="2800" dirty="0">
+              <a:rPr lang="ru-RU" sz="2400" dirty="0">
                 <a:solidFill>
                   <a:srgbClr val="052452"/>
                 </a:solidFill>
                 <a:latin typeface="+mn-lt"/>
                 <a:cs typeface="Times New Roman" panose="02020603050405020304" pitchFamily="18" charset="0"/>
               </a:rPr>
-              <a:t>функции ручного и автоматического составления учебного расписания</a:t>
+              <a:t>функцию автоматического составления учебного расписания</a:t>
             </a:r>
           </a:p>
           <a:p>
@@ -7354,7 +7524,7 @@
               <a:buChar char="q"/>
             </a:pPr>
             <a:r>
-              <a:rPr lang="ru-RU" sz="2800" dirty="0">
+              <a:rPr lang="ru-RU" sz="2400" dirty="0">
                 <a:solidFill>
                   <a:srgbClr val="052452"/>
                 </a:solidFill>
@@ -7373,7 +7543,7 @@
               <a:buChar char="q"/>
             </a:pPr>
             <a:r>
-              <a:rPr lang="ru-RU" sz="2800" dirty="0">
+              <a:rPr lang="ru-RU" sz="2400" dirty="0">
                 <a:solidFill>
                   <a:srgbClr val="052452"/>
                 </a:solidFill>
@@ -7393,7 +7563,7 @@
         </p:nvSpPr>
         <p:spPr>
           <a:xfrm>
-            <a:off x="4008136" y="1836113"/>
+            <a:off x="407368" y="3060249"/>
             <a:ext cx="4329390" cy="584775"/>
           </a:xfrm>
           <a:prstGeom prst="rect">
@@ -7461,6 +7631,66 @@
           </a:p>
         </p:txBody>
       </p:sp>
+      <p:pic>
+        <p:nvPicPr>
+          <p:cNvPr id="8" name="Рисунок 7">
+            <a:extLst>
+              <a:ext uri="{FF2B5EF4-FFF2-40B4-BE49-F238E27FC236}">
+                <a16:creationId xmlns:a16="http://schemas.microsoft.com/office/drawing/2014/main" id="{1033DAA9-19A5-4158-BF89-5AEAA81D6741}"/>
+              </a:ext>
+            </a:extLst>
+          </p:cNvPr>
+          <p:cNvPicPr>
+            <a:picLocks noChangeAspect="1"/>
+          </p:cNvPicPr>
+          <p:nvPr/>
+        </p:nvPicPr>
+        <p:blipFill>
+          <a:blip r:embed="rId4"/>
+          <a:stretch>
+            <a:fillRect/>
+          </a:stretch>
+        </p:blipFill>
+        <p:spPr>
+          <a:xfrm>
+            <a:off x="8328248" y="1124744"/>
+            <a:ext cx="3456384" cy="2685475"/>
+          </a:xfrm>
+          <a:prstGeom prst="rect">
+            <a:avLst/>
+          </a:prstGeom>
+        </p:spPr>
+      </p:pic>
+      <p:pic>
+        <p:nvPicPr>
+          <p:cNvPr id="10" name="Рисунок 9">
+            <a:extLst>
+              <a:ext uri="{FF2B5EF4-FFF2-40B4-BE49-F238E27FC236}">
+                <a16:creationId xmlns:a16="http://schemas.microsoft.com/office/drawing/2014/main" id="{FD3593D7-E3A9-4805-91F7-9751AB7DE05E}"/>
+              </a:ext>
+            </a:extLst>
+          </p:cNvPr>
+          <p:cNvPicPr>
+            <a:picLocks noChangeAspect="1"/>
+          </p:cNvPicPr>
+          <p:nvPr/>
+        </p:nvPicPr>
+        <p:blipFill>
+          <a:blip r:embed="rId5"/>
+          <a:stretch>
+            <a:fillRect/>
+          </a:stretch>
+        </p:blipFill>
+        <p:spPr>
+          <a:xfrm>
+            <a:off x="4987463" y="1124745"/>
+            <a:ext cx="2548697" cy="2664546"/>
+          </a:xfrm>
+          <a:prstGeom prst="rect">
+            <a:avLst/>
+          </a:prstGeom>
+        </p:spPr>
+      </p:pic>
     </p:spTree>
     <p:extLst>
       <p:ext uri="{BB962C8B-B14F-4D97-AF65-F5344CB8AC3E}">
